--- a/presentations/sgsss-modelling-trajectories-lecture-2025-06-25.pptx
+++ b/presentations/sgsss-modelling-trajectories-lecture-2025-06-25.pptx
@@ -268,7 +268,7 @@
           <a:p>
             <a:fld id="{C84E81A4-E5B4-4757-B9B9-98CCC4392A1A}" type="datetimeFigureOut">
               <a:rPr lang="en-GB" smtClean="0"/>
-              <a:t>23/06/2025</a:t>
+              <a:t>25/06/2025</a:t>
             </a:fld>
             <a:endParaRPr lang="en-GB"/>
           </a:p>
@@ -3516,7 +3516,7 @@
           <a:p>
             <a:fld id="{309A6CD0-442B-4B42-B5E6-6BF074CE3315}" type="datetimeFigureOut">
               <a:rPr lang="en-GB" smtClean="0"/>
-              <a:t>23/06/2025</a:t>
+              <a:t>25/06/2025</a:t>
             </a:fld>
             <a:endParaRPr lang="en-GB"/>
           </a:p>
@@ -3686,7 +3686,7 @@
           <a:p>
             <a:fld id="{309A6CD0-442B-4B42-B5E6-6BF074CE3315}" type="datetimeFigureOut">
               <a:rPr lang="en-GB" smtClean="0"/>
-              <a:t>23/06/2025</a:t>
+              <a:t>25/06/2025</a:t>
             </a:fld>
             <a:endParaRPr lang="en-GB"/>
           </a:p>
@@ -3866,7 +3866,7 @@
           <a:p>
             <a:fld id="{309A6CD0-442B-4B42-B5E6-6BF074CE3315}" type="datetimeFigureOut">
               <a:rPr lang="en-GB" smtClean="0"/>
-              <a:t>23/06/2025</a:t>
+              <a:t>25/06/2025</a:t>
             </a:fld>
             <a:endParaRPr lang="en-GB"/>
           </a:p>
@@ -6344,7 +6344,7 @@
           <a:p>
             <a:fld id="{309A6CD0-442B-4B42-B5E6-6BF074CE3315}" type="datetimeFigureOut">
               <a:rPr lang="en-GB" smtClean="0"/>
-              <a:t>23/06/2025</a:t>
+              <a:t>25/06/2025</a:t>
             </a:fld>
             <a:endParaRPr lang="en-GB"/>
           </a:p>
@@ -6590,7 +6590,7 @@
           <a:p>
             <a:fld id="{309A6CD0-442B-4B42-B5E6-6BF074CE3315}" type="datetimeFigureOut">
               <a:rPr lang="en-GB" smtClean="0"/>
-              <a:t>23/06/2025</a:t>
+              <a:t>25/06/2025</a:t>
             </a:fld>
             <a:endParaRPr lang="en-GB"/>
           </a:p>
@@ -6822,7 +6822,7 @@
           <a:p>
             <a:fld id="{309A6CD0-442B-4B42-B5E6-6BF074CE3315}" type="datetimeFigureOut">
               <a:rPr lang="en-GB" smtClean="0"/>
-              <a:t>23/06/2025</a:t>
+              <a:t>25/06/2025</a:t>
             </a:fld>
             <a:endParaRPr lang="en-GB"/>
           </a:p>
@@ -7189,7 +7189,7 @@
           <a:p>
             <a:fld id="{309A6CD0-442B-4B42-B5E6-6BF074CE3315}" type="datetimeFigureOut">
               <a:rPr lang="en-GB" smtClean="0"/>
-              <a:t>23/06/2025</a:t>
+              <a:t>25/06/2025</a:t>
             </a:fld>
             <a:endParaRPr lang="en-GB"/>
           </a:p>
@@ -7307,7 +7307,7 @@
           <a:p>
             <a:fld id="{309A6CD0-442B-4B42-B5E6-6BF074CE3315}" type="datetimeFigureOut">
               <a:rPr lang="en-GB" smtClean="0"/>
-              <a:t>23/06/2025</a:t>
+              <a:t>25/06/2025</a:t>
             </a:fld>
             <a:endParaRPr lang="en-GB"/>
           </a:p>
@@ -7402,7 +7402,7 @@
           <a:p>
             <a:fld id="{309A6CD0-442B-4B42-B5E6-6BF074CE3315}" type="datetimeFigureOut">
               <a:rPr lang="en-GB" smtClean="0"/>
-              <a:t>23/06/2025</a:t>
+              <a:t>25/06/2025</a:t>
             </a:fld>
             <a:endParaRPr lang="en-GB"/>
           </a:p>
@@ -7679,7 +7679,7 @@
           <a:p>
             <a:fld id="{309A6CD0-442B-4B42-B5E6-6BF074CE3315}" type="datetimeFigureOut">
               <a:rPr lang="en-GB" smtClean="0"/>
-              <a:t>23/06/2025</a:t>
+              <a:t>25/06/2025</a:t>
             </a:fld>
             <a:endParaRPr lang="en-GB"/>
           </a:p>
@@ -7932,7 +7932,7 @@
           <a:p>
             <a:fld id="{309A6CD0-442B-4B42-B5E6-6BF074CE3315}" type="datetimeFigureOut">
               <a:rPr lang="en-GB" smtClean="0"/>
-              <a:t>23/06/2025</a:t>
+              <a:t>25/06/2025</a:t>
             </a:fld>
             <a:endParaRPr lang="en-GB"/>
           </a:p>
@@ -8145,7 +8145,7 @@
           <a:p>
             <a:fld id="{309A6CD0-442B-4B42-B5E6-6BF074CE3315}" type="datetimeFigureOut">
               <a:rPr lang="en-GB" smtClean="0"/>
-              <a:t>23/06/2025</a:t>
+              <a:t>25/06/2025</a:t>
             </a:fld>
             <a:endParaRPr lang="en-GB"/>
           </a:p>
@@ -9880,8 +9880,8 @@
           </a:p>
         </p:txBody>
       </p:sp>
-      <mc:AlternateContent xmlns:mc="http://schemas.openxmlformats.org/markup-compatibility/2006" xmlns:a14="http://schemas.microsoft.com/office/drawing/2010/main">
-        <mc:Choice Requires="a14">
+      <mc:AlternateContent xmlns:mc="http://schemas.openxmlformats.org/markup-compatibility/2006">
+        <mc:Choice xmlns:a14="http://schemas.microsoft.com/office/drawing/2010/main" Requires="a14">
           <p:sp>
             <p:nvSpPr>
               <p:cNvPr id="3" name="Content Placeholder 2">
@@ -10495,6 +10495,12 @@
                       </m:sub>
                     </m:sSub>
                     <m:r>
+                      <a:rPr lang="en-GB" sz="2800" b="0" i="1" smtClean="0">
+                        <a:latin typeface="Cambria Math" panose="02040503050406030204" pitchFamily="18" charset="0"/>
+                      </a:rPr>
+                      <m:t> </m:t>
+                    </m:r>
+                    <m:r>
                       <a:rPr lang="en-US" sz="2800" i="1">
                         <a:latin typeface="Cambria Math" panose="02040503050406030204" pitchFamily="18" charset="0"/>
                       </a:rPr>
@@ -10509,6 +10515,12 @@
                         </m:ctrlPr>
                       </m:sSubPr>
                       <m:e>
+                        <m:r>
+                          <a:rPr lang="en-GB" sz="2800" b="0" i="1" smtClean="0">
+                            <a:latin typeface="Cambria Math" panose="02040503050406030204" pitchFamily="18" charset="0"/>
+                          </a:rPr>
+                          <m:t> </m:t>
+                        </m:r>
                         <m:r>
                           <a:rPr lang="en-GB" sz="2800" i="1">
                             <a:latin typeface="Cambria Math" panose="02040503050406030204" pitchFamily="18" charset="0"/>
@@ -10619,6 +10631,107 @@
                             <a:latin typeface="Cambria Math" panose="02040503050406030204" pitchFamily="18" charset="0"/>
                           </a:rPr>
                           <m:t>𝑖</m:t>
+                        </m:r>
+                      </m:sub>
+                    </m:sSub>
+                    <m:r>
+                      <a:rPr lang="en-GB" sz="2800" b="0" i="1" smtClean="0">
+                        <a:latin typeface="Cambria Math" panose="02040503050406030204" pitchFamily="18" charset="0"/>
+                      </a:rPr>
+                      <m:t>+</m:t>
+                    </m:r>
+                    <m:sSub>
+                      <m:sSubPr>
+                        <m:ctrlPr>
+                          <a:rPr lang="en-GB" sz="2800" i="1">
+                            <a:latin typeface="Cambria Math" panose="02040503050406030204" pitchFamily="18" charset="0"/>
+                          </a:rPr>
+                        </m:ctrlPr>
+                      </m:sSubPr>
+                      <m:e>
+                        <m:r>
+                          <a:rPr lang="en-GB" sz="2800" i="1">
+                            <a:latin typeface="Cambria Math" panose="02040503050406030204" pitchFamily="18" charset="0"/>
+                            <a:ea typeface="Cambria Math" panose="02040503050406030204" pitchFamily="18" charset="0"/>
+                          </a:rPr>
+                          <m:t>𝛽</m:t>
+                        </m:r>
+                      </m:e>
+                      <m:sub>
+                        <m:r>
+                          <a:rPr lang="en-GB" sz="2800" b="0" i="1" smtClean="0">
+                            <a:latin typeface="Cambria Math" panose="02040503050406030204" pitchFamily="18" charset="0"/>
+                            <a:ea typeface="Cambria Math" panose="02040503050406030204" pitchFamily="18" charset="0"/>
+                          </a:rPr>
+                          <m:t>3</m:t>
+                        </m:r>
+                      </m:sub>
+                    </m:sSub>
+                    <m:sSub>
+                      <m:sSubPr>
+                        <m:ctrlPr>
+                          <a:rPr lang="en-GB" sz="2800" i="1">
+                            <a:latin typeface="Cambria Math" panose="02040503050406030204" pitchFamily="18" charset="0"/>
+                          </a:rPr>
+                        </m:ctrlPr>
+                      </m:sSubPr>
+                      <m:e>
+                        <m:r>
+                          <a:rPr lang="en-GB" sz="2800" i="1">
+                            <a:latin typeface="Cambria Math" panose="02040503050406030204" pitchFamily="18" charset="0"/>
+                          </a:rPr>
+                          <m:t>𝑋</m:t>
+                        </m:r>
+                      </m:e>
+                      <m:sub>
+                        <m:r>
+                          <a:rPr lang="en-GB" sz="2800" i="1">
+                            <a:latin typeface="Cambria Math" panose="02040503050406030204" pitchFamily="18" charset="0"/>
+                          </a:rPr>
+                          <m:t>2</m:t>
+                        </m:r>
+                        <m:r>
+                          <a:rPr lang="en-GB" sz="2800" i="1">
+                            <a:latin typeface="Cambria Math" panose="02040503050406030204" pitchFamily="18" charset="0"/>
+                          </a:rPr>
+                          <m:t>𝑖</m:t>
+                        </m:r>
+                      </m:sub>
+                    </m:sSub>
+                    <m:r>
+                      <a:rPr lang="en-GB" sz="2800" b="0" i="1" smtClean="0">
+                        <a:latin typeface="Cambria Math" panose="02040503050406030204" pitchFamily="18" charset="0"/>
+                      </a:rPr>
+                      <m:t>∗</m:t>
+                    </m:r>
+                    <m:sSub>
+                      <m:sSubPr>
+                        <m:ctrlPr>
+                          <a:rPr lang="en-GB" sz="2800" i="1">
+                            <a:latin typeface="Cambria Math" panose="02040503050406030204" pitchFamily="18" charset="0"/>
+                          </a:rPr>
+                        </m:ctrlPr>
+                      </m:sSubPr>
+                      <m:e>
+                        <m:r>
+                          <a:rPr lang="en-GB" sz="2800" i="1">
+                            <a:latin typeface="Cambria Math" panose="02040503050406030204" pitchFamily="18" charset="0"/>
+                          </a:rPr>
+                          <m:t>𝑋</m:t>
+                        </m:r>
+                      </m:e>
+                      <m:sub>
+                        <m:r>
+                          <a:rPr lang="en-GB" sz="2800" i="1">
+                            <a:latin typeface="Cambria Math" panose="02040503050406030204" pitchFamily="18" charset="0"/>
+                          </a:rPr>
+                          <m:t>1</m:t>
+                        </m:r>
+                        <m:r>
+                          <a:rPr lang="en-US" sz="2800" i="1">
+                            <a:latin typeface="Cambria Math" panose="02040503050406030204" pitchFamily="18" charset="0"/>
+                          </a:rPr>
+                          <m:t>𝑡</m:t>
                         </m:r>
                       </m:sub>
                     </m:sSub>
@@ -10747,7 +10860,7 @@
             </p:txBody>
           </p:sp>
         </mc:Choice>
-        <mc:Fallback xmlns="">
+        <mc:Fallback>
           <p:sp>
             <p:nvSpPr>
               <p:cNvPr id="3" name="Content Placeholder 2">
@@ -16879,6 +16992,28 @@
 </file>
 
 <file path=customXml/item1.xml><?xml version="1.0" encoding="utf-8"?>
+<?mso-contentType ?>
+<FormTemplates xmlns="http://schemas.microsoft.com/sharepoint/v3/contenttype/forms">
+  <Display>DocumentLibraryForm</Display>
+  <Edit>DocumentLibraryForm</Edit>
+  <New>DocumentLibraryForm</New>
+</FormTemplates>
+</file>
+
+<file path=customXml/item2.xml><?xml version="1.0" encoding="utf-8"?>
+<p:properties xmlns:p="http://schemas.microsoft.com/office/2006/metadata/properties" xmlns:xsi="http://www.w3.org/2001/XMLSchema-instance" xmlns:pc="http://schemas.microsoft.com/office/infopath/2007/PartnerControls">
+  <documentManagement>
+    <TaxCatchAll xmlns="82284423-04fc-42c6-b7a4-bf8ab8b6b7ca" xsi:nil="true"/>
+    <lcf76f155ced4ddcb4097134ff3c332f xmlns="690fd7a5-3318-45ee-b9a6-2de44dd7e3b8">
+      <Terms xmlns="http://schemas.microsoft.com/office/infopath/2007/PartnerControls"/>
+    </lcf76f155ced4ddcb4097134ff3c332f>
+    <_x0023_ xmlns="690fd7a5-3318-45ee-b9a6-2de44dd7e3b8" xsi:nil="true"/>
+    <Cohort xmlns="690fd7a5-3318-45ee-b9a6-2de44dd7e3b8" xsi:nil="true"/>
+  </documentManagement>
+</p:properties>
+</file>
+
+<file path=customXml/item3.xml><?xml version="1.0" encoding="utf-8"?>
 <ct:contentTypeSchema xmlns:ct="http://schemas.microsoft.com/office/2006/metadata/contentType" xmlns:ma="http://schemas.microsoft.com/office/2006/metadata/properties/metaAttributes" ct:_="" ma:_="" ma:contentTypeName="Document" ma:contentTypeID="0x0101007B7B8BF0644C4E47862514133CECCC9E" ma:contentTypeVersion="20" ma:contentTypeDescription="Create a new document." ma:contentTypeScope="" ma:versionID="8fa6b1d07bbd252afa0cb8fc94e275a1">
   <xsd:schema xmlns:xsd="http://www.w3.org/2001/XMLSchema" xmlns:xs="http://www.w3.org/2001/XMLSchema" xmlns:p="http://schemas.microsoft.com/office/2006/metadata/properties" xmlns:ns2="690fd7a5-3318-45ee-b9a6-2de44dd7e3b8" xmlns:ns3="82284423-04fc-42c6-b7a4-bf8ab8b6b7ca" targetNamespace="http://schemas.microsoft.com/office/2006/metadata/properties" ma:root="true" ma:fieldsID="8583855fe14e87a5fa6feebcdd648841" ns2:_="" ns3:_="">
     <xsd:import namespace="690fd7a5-3318-45ee-b9a6-2de44dd7e3b8"/>
@@ -17153,43 +17288,10 @@
 </ct:contentTypeSchema>
 </file>
 
-<file path=customXml/item2.xml><?xml version="1.0" encoding="utf-8"?>
-<p:properties xmlns:p="http://schemas.microsoft.com/office/2006/metadata/properties" xmlns:xsi="http://www.w3.org/2001/XMLSchema-instance" xmlns:pc="http://schemas.microsoft.com/office/infopath/2007/PartnerControls">
-  <documentManagement>
-    <TaxCatchAll xmlns="82284423-04fc-42c6-b7a4-bf8ab8b6b7ca" xsi:nil="true"/>
-    <lcf76f155ced4ddcb4097134ff3c332f xmlns="690fd7a5-3318-45ee-b9a6-2de44dd7e3b8">
-      <Terms xmlns="http://schemas.microsoft.com/office/infopath/2007/PartnerControls"/>
-    </lcf76f155ced4ddcb4097134ff3c332f>
-    <_x0023_ xmlns="690fd7a5-3318-45ee-b9a6-2de44dd7e3b8" xsi:nil="true"/>
-    <Cohort xmlns="690fd7a5-3318-45ee-b9a6-2de44dd7e3b8" xsi:nil="true"/>
-  </documentManagement>
-</p:properties>
-</file>
-
-<file path=customXml/item3.xml><?xml version="1.0" encoding="utf-8"?>
-<?mso-contentType ?>
-<FormTemplates xmlns="http://schemas.microsoft.com/sharepoint/v3/contenttype/forms">
-  <Display>DocumentLibraryForm</Display>
-  <Edit>DocumentLibraryForm</Edit>
-  <New>DocumentLibraryForm</New>
-</FormTemplates>
-</file>
-
 <file path=customXml/itemProps1.xml><?xml version="1.0" encoding="utf-8"?>
-<ds:datastoreItem xmlns:ds="http://schemas.openxmlformats.org/officeDocument/2006/customXml" ds:itemID="{FC1ECAC6-CF96-4B51-891B-2AC22C1A8212}">
+<ds:datastoreItem xmlns:ds="http://schemas.openxmlformats.org/officeDocument/2006/customXml" ds:itemID="{F9D74BCC-58EB-479D-B283-24D2D51DF587}">
   <ds:schemaRefs>
-    <ds:schemaRef ds:uri="http://schemas.microsoft.com/office/2006/metadata/contentType"/>
-    <ds:schemaRef ds:uri="http://schemas.microsoft.com/office/2006/metadata/properties/metaAttributes"/>
-    <ds:schemaRef ds:uri="http://www.w3.org/2001/XMLSchema"/>
-    <ds:schemaRef ds:uri="http://schemas.microsoft.com/office/2006/metadata/properties"/>
-    <ds:schemaRef ds:uri="690fd7a5-3318-45ee-b9a6-2de44dd7e3b8"/>
-    <ds:schemaRef ds:uri="82284423-04fc-42c6-b7a4-bf8ab8b6b7ca"/>
-    <ds:schemaRef ds:uri="http://schemas.microsoft.com/office/2006/documentManagement/types"/>
-    <ds:schemaRef ds:uri="http://schemas.microsoft.com/office/infopath/2007/PartnerControls"/>
-    <ds:schemaRef ds:uri="http://schemas.openxmlformats.org/package/2006/metadata/core-properties"/>
-    <ds:schemaRef ds:uri="http://purl.org/dc/elements/1.1/"/>
-    <ds:schemaRef ds:uri="http://purl.org/dc/terms/"/>
-    <ds:schemaRef ds:uri="http://schemas.microsoft.com/internal/obd"/>
+    <ds:schemaRef ds:uri="http://schemas.microsoft.com/sharepoint/v3/contenttype/forms"/>
   </ds:schemaRefs>
 </ds:datastoreItem>
 </file>
@@ -17212,9 +17314,20 @@
 </file>
 
 <file path=customXml/itemProps3.xml><?xml version="1.0" encoding="utf-8"?>
-<ds:datastoreItem xmlns:ds="http://schemas.openxmlformats.org/officeDocument/2006/customXml" ds:itemID="{F9D74BCC-58EB-479D-B283-24D2D51DF587}">
+<ds:datastoreItem xmlns:ds="http://schemas.openxmlformats.org/officeDocument/2006/customXml" ds:itemID="{FC1ECAC6-CF96-4B51-891B-2AC22C1A8212}">
   <ds:schemaRefs>
-    <ds:schemaRef ds:uri="http://schemas.microsoft.com/sharepoint/v3/contenttype/forms"/>
+    <ds:schemaRef ds:uri="http://schemas.microsoft.com/office/2006/metadata/contentType"/>
+    <ds:schemaRef ds:uri="http://schemas.microsoft.com/office/2006/metadata/properties/metaAttributes"/>
+    <ds:schemaRef ds:uri="http://www.w3.org/2001/XMLSchema"/>
+    <ds:schemaRef ds:uri="http://schemas.microsoft.com/office/2006/metadata/properties"/>
+    <ds:schemaRef ds:uri="690fd7a5-3318-45ee-b9a6-2de44dd7e3b8"/>
+    <ds:schemaRef ds:uri="82284423-04fc-42c6-b7a4-bf8ab8b6b7ca"/>
+    <ds:schemaRef ds:uri="http://schemas.microsoft.com/office/2006/documentManagement/types"/>
+    <ds:schemaRef ds:uri="http://schemas.microsoft.com/office/infopath/2007/PartnerControls"/>
+    <ds:schemaRef ds:uri="http://schemas.openxmlformats.org/package/2006/metadata/core-properties"/>
+    <ds:schemaRef ds:uri="http://purl.org/dc/elements/1.1/"/>
+    <ds:schemaRef ds:uri="http://purl.org/dc/terms/"/>
+    <ds:schemaRef ds:uri="http://schemas.microsoft.com/internal/obd"/>
   </ds:schemaRefs>
 </ds:datastoreItem>
 </file>